--- a/Rumänien/Kuramoto+.pptx
+++ b/Rumänien/Kuramoto+.pptx
@@ -107,6 +107,11 @@
       </a:defRPr>
     </a:lvl9pPr>
   </p:defaultTextStyle>
+  <p:extLst>
+    <p:ext uri="{EFAFB233-063F-42B5-8137-9DF3F51BA10A}">
+      <p15:sldGuideLst xmlns:p15="http://schemas.microsoft.com/office/powerpoint/2012/main"/>
+    </p:ext>
+  </p:extLst>
 </p:presentation>
 </file>
 
@@ -3578,72 +3583,684 @@
           </a:p>
         </p:txBody>
       </p:sp>
-      <p:sp>
-        <p:nvSpPr>
-          <p:cNvPr id="3" name="Inhaltsplatzhalter 2">
-            <a:extLst>
-              <a:ext uri="{FF2B5EF4-FFF2-40B4-BE49-F238E27FC236}">
-                <a16:creationId xmlns:a16="http://schemas.microsoft.com/office/drawing/2014/main" id="{1E20941D-3575-48BF-9257-6C6AA33FE6BA}"/>
-              </a:ext>
-            </a:extLst>
-          </p:cNvPr>
-          <p:cNvSpPr>
-            <a:spLocks noGrp="1"/>
-          </p:cNvSpPr>
-          <p:nvPr>
-            <p:ph idx="1"/>
-          </p:nvPr>
-        </p:nvSpPr>
-        <p:spPr/>
-        <p:txBody>
-          <a:bodyPr/>
-          <a:lstStyle/>
-          <a:p>
-            <a:pPr lvl="0"/>
-            <a:r>
-              <a:rPr lang="de-DE" dirty="0"/>
-              <a:t>(Hier </a:t>
-            </a:r>
-            <a:r>
-              <a:rPr lang="de-DE" dirty="0" err="1"/>
-              <a:t>geteXte</a:t>
-            </a:r>
-            <a:r>
-              <a:rPr lang="de-DE" dirty="0"/>
-              <a:t> Formel 1 hin)</a:t>
-            </a:r>
-          </a:p>
-          <a:p>
-            <a:pPr lvl="0"/>
-            <a:r>
-              <a:rPr lang="de-DE" dirty="0"/>
-              <a:t>Leistungen: Vektor </a:t>
-            </a:r>
-            <a:r>
-              <a:rPr lang="de-DE" dirty="0">
-                <a:sym typeface="Wingdings" panose="05000000000000000000" pitchFamily="2" charset="2"/>
-              </a:rPr>
-              <a:t> Matrix</a:t>
-            </a:r>
-            <a:endParaRPr lang="de-DE" dirty="0"/>
-          </a:p>
-          <a:p>
-            <a:pPr lvl="0"/>
-            <a:r>
-              <a:rPr lang="de-DE"/>
-              <a:t>zeitabhängige Funktionen </a:t>
-            </a:r>
-            <a:r>
-              <a:rPr lang="de-DE" dirty="0"/>
-              <a:t>für jeden Eintrag</a:t>
-            </a:r>
-          </a:p>
-          <a:p>
-            <a:pPr lvl="0"/>
-            <a:endParaRPr lang="de-DE" dirty="0"/>
-          </a:p>
-        </p:txBody>
-      </p:sp>
+      <mc:AlternateContent xmlns:mc="http://schemas.openxmlformats.org/markup-compatibility/2006" xmlns:a14="http://schemas.microsoft.com/office/drawing/2010/main">
+        <mc:Choice Requires="a14">
+          <p:sp>
+            <p:nvSpPr>
+              <p:cNvPr id="3" name="Inhaltsplatzhalter 2">
+                <a:extLst>
+                  <a:ext uri="{FF2B5EF4-FFF2-40B4-BE49-F238E27FC236}">
+                    <a16:creationId xmlns:a16="http://schemas.microsoft.com/office/drawing/2014/main" id="{1E20941D-3575-48BF-9257-6C6AA33FE6BA}"/>
+                  </a:ext>
+                </a:extLst>
+              </p:cNvPr>
+              <p:cNvSpPr>
+                <a:spLocks noGrp="1"/>
+              </p:cNvSpPr>
+              <p:nvPr>
+                <p:ph idx="1"/>
+              </p:nvPr>
+            </p:nvSpPr>
+            <p:spPr/>
+            <p:txBody>
+              <a:bodyPr/>
+              <a:lstStyle/>
+              <a:p>
+                <a:pPr lvl="0"/>
+                <a:endParaRPr lang="de-DE" dirty="0"/>
+              </a:p>
+              <a:p>
+                <a:pPr lvl="0"/>
+                <a:endParaRPr lang="de-DE" dirty="0"/>
+              </a:p>
+              <a:p>
+                <a:pPr lvl="0"/>
+                <a:endParaRPr lang="de-DE" dirty="0"/>
+              </a:p>
+              <a:p>
+                <a:pPr lvl="0"/>
+                <a14:m>
+                  <m:oMath xmlns:m="http://schemas.openxmlformats.org/officeDocument/2006/math">
+                    <m:sSub>
+                      <m:sSubPr>
+                        <m:ctrlPr>
+                          <a:rPr lang="de-DE" i="1" smtClean="0">
+                            <a:latin typeface="Cambria Math" panose="02040503050406030204" pitchFamily="18" charset="0"/>
+                          </a:rPr>
+                        </m:ctrlPr>
+                      </m:sSubPr>
+                      <m:e>
+                        <m:r>
+                          <a:rPr lang="de-DE" i="1" smtClean="0">
+                            <a:latin typeface="Cambria Math" panose="02040503050406030204" pitchFamily="18" charset="0"/>
+                          </a:rPr>
+                          <m:t>𝑃</m:t>
+                        </m:r>
+                      </m:e>
+                      <m:sub>
+                        <m:r>
+                          <a:rPr lang="de-DE" i="1" smtClean="0">
+                            <a:latin typeface="Cambria Math" panose="02040503050406030204" pitchFamily="18" charset="0"/>
+                          </a:rPr>
+                          <m:t>𝑗</m:t>
+                        </m:r>
+                      </m:sub>
+                    </m:sSub>
+                    <m:r>
+                      <a:rPr lang="de-DE" i="0" smtClean="0">
+                        <a:latin typeface="Cambria Math" panose="02040503050406030204" pitchFamily="18" charset="0"/>
+                      </a:rPr>
+                      <m:t>=</m:t>
+                    </m:r>
+                    <m:sSub>
+                      <m:sSubPr>
+                        <m:ctrlPr>
+                          <a:rPr lang="de-DE" i="1" smtClean="0">
+                            <a:latin typeface="Cambria Math" panose="02040503050406030204" pitchFamily="18" charset="0"/>
+                          </a:rPr>
+                        </m:ctrlPr>
+                      </m:sSubPr>
+                      <m:e>
+                        <m:r>
+                          <a:rPr lang="de-DE" i="1" smtClean="0">
+                            <a:latin typeface="Cambria Math" panose="02040503050406030204" pitchFamily="18" charset="0"/>
+                          </a:rPr>
+                          <m:t>𝑃</m:t>
+                        </m:r>
+                      </m:e>
+                      <m:sub>
+                        <m:r>
+                          <a:rPr lang="de-DE" i="1" smtClean="0">
+                            <a:latin typeface="Cambria Math" panose="02040503050406030204" pitchFamily="18" charset="0"/>
+                          </a:rPr>
+                          <m:t>𝑗</m:t>
+                        </m:r>
+                      </m:sub>
+                    </m:sSub>
+                    <m:d>
+                      <m:dPr>
+                        <m:ctrlPr>
+                          <a:rPr lang="de-DE" i="1" smtClean="0">
+                            <a:latin typeface="Cambria Math" panose="02040503050406030204" pitchFamily="18" charset="0"/>
+                          </a:rPr>
+                        </m:ctrlPr>
+                      </m:dPr>
+                      <m:e>
+                        <m:r>
+                          <a:rPr lang="de-DE" i="1" smtClean="0">
+                            <a:latin typeface="Cambria Math" panose="02040503050406030204" pitchFamily="18" charset="0"/>
+                          </a:rPr>
+                          <m:t>𝑡</m:t>
+                        </m:r>
+                      </m:e>
+                    </m:d>
+                  </m:oMath>
+                </a14:m>
+                <a:endParaRPr lang="de-DE" dirty="0"/>
+              </a:p>
+              <a:p>
+                <a:pPr lvl="0"/>
+                <a:r>
+                  <a:rPr lang="de-DE" dirty="0"/>
+                  <a:t>Vektor </a:t>
+                </a:r>
+                <a14:m>
+                  <m:oMath xmlns:m="http://schemas.openxmlformats.org/officeDocument/2006/math">
+                    <m:sSub>
+                      <m:sSubPr>
+                        <m:ctrlPr>
+                          <a:rPr lang="de-DE" i="1" dirty="0" smtClean="0">
+                            <a:latin typeface="Cambria Math" panose="02040503050406030204" pitchFamily="18" charset="0"/>
+                            <a:sym typeface="Wingdings" panose="05000000000000000000" pitchFamily="2" charset="2"/>
+                          </a:rPr>
+                        </m:ctrlPr>
+                      </m:sSubPr>
+                      <m:e>
+                        <m:r>
+                          <a:rPr lang="de-DE" i="1" dirty="0">
+                            <a:latin typeface="Cambria Math" panose="02040503050406030204" pitchFamily="18" charset="0"/>
+                            <a:sym typeface="Wingdings" panose="05000000000000000000" pitchFamily="2" charset="2"/>
+                          </a:rPr>
+                          <m:t>𝑃</m:t>
+                        </m:r>
+                      </m:e>
+                      <m:sub>
+                        <m:r>
+                          <a:rPr lang="de-DE" i="1" dirty="0">
+                            <a:latin typeface="Cambria Math" panose="02040503050406030204" pitchFamily="18" charset="0"/>
+                            <a:sym typeface="Wingdings" panose="05000000000000000000" pitchFamily="2" charset="2"/>
+                          </a:rPr>
+                          <m:t>𝑗</m:t>
+                        </m:r>
+                      </m:sub>
+                    </m:sSub>
+                    <m:r>
+                      <a:rPr lang="de-DE" b="0" i="1" dirty="0" smtClean="0">
+                        <a:latin typeface="Cambria Math" panose="02040503050406030204" pitchFamily="18" charset="0"/>
+                        <a:sym typeface="Wingdings" panose="05000000000000000000" pitchFamily="2" charset="2"/>
+                      </a:rPr>
+                      <m:t> </m:t>
+                    </m:r>
+                  </m:oMath>
+                </a14:m>
+                <a:r>
+                  <a:rPr lang="de-DE" dirty="0">
+                    <a:sym typeface="Wingdings" panose="05000000000000000000" pitchFamily="2" charset="2"/>
+                  </a:rPr>
+                  <a:t> Matrix </a:t>
+                </a:r>
+                <a14:m>
+                  <m:oMath xmlns:m="http://schemas.openxmlformats.org/officeDocument/2006/math">
+                    <m:sSub>
+                      <m:sSubPr>
+                        <m:ctrlPr>
+                          <a:rPr lang="de-DE" i="1" dirty="0" smtClean="0">
+                            <a:latin typeface="Cambria Math" panose="02040503050406030204" pitchFamily="18" charset="0"/>
+                          </a:rPr>
+                        </m:ctrlPr>
+                      </m:sSubPr>
+                      <m:e>
+                        <m:r>
+                          <a:rPr lang="de-DE" i="1" dirty="0">
+                            <a:latin typeface="Cambria Math" panose="02040503050406030204" pitchFamily="18" charset="0"/>
+                          </a:rPr>
+                          <m:t>𝑃</m:t>
+                        </m:r>
+                      </m:e>
+                      <m:sub>
+                        <m:r>
+                          <a:rPr lang="de-DE" i="1" dirty="0">
+                            <a:latin typeface="Cambria Math" panose="02040503050406030204" pitchFamily="18" charset="0"/>
+                          </a:rPr>
+                          <m:t>𝑡𝑗</m:t>
+                        </m:r>
+                      </m:sub>
+                    </m:sSub>
+                  </m:oMath>
+                </a14:m>
+                <a:endParaRPr lang="de-DE" dirty="0"/>
+              </a:p>
+              <a:p>
+                <a:pPr lvl="0"/>
+                <a:r>
+                  <a:rPr lang="de-DE" dirty="0"/>
+                  <a:t>zeitabhängige Funktionen für jeden Eintrag</a:t>
+                </a:r>
+              </a:p>
+              <a:p>
+                <a:pPr lvl="0"/>
+                <a:endParaRPr lang="de-DE" dirty="0"/>
+              </a:p>
+            </p:txBody>
+          </p:sp>
+        </mc:Choice>
+        <mc:Fallback xmlns="">
+          <p:sp>
+            <p:nvSpPr>
+              <p:cNvPr id="3" name="Inhaltsplatzhalter 2">
+                <a:extLst>
+                  <a:ext uri="{FF2B5EF4-FFF2-40B4-BE49-F238E27FC236}">
+                    <a16:creationId xmlns:a16="http://schemas.microsoft.com/office/drawing/2014/main" id="{1E20941D-3575-48BF-9257-6C6AA33FE6BA}"/>
+                  </a:ext>
+                </a:extLst>
+              </p:cNvPr>
+              <p:cNvSpPr>
+                <a:spLocks noGrp="1" noRot="1" noChangeAspect="1" noMove="1" noResize="1" noEditPoints="1" noAdjustHandles="1" noChangeArrowheads="1" noChangeShapeType="1" noTextEdit="1"/>
+              </p:cNvSpPr>
+              <p:nvPr>
+                <p:ph idx="1"/>
+              </p:nvPr>
+            </p:nvSpPr>
+            <p:spPr>
+              <a:blipFill>
+                <a:blip r:embed="rId2"/>
+                <a:stretch>
+                  <a:fillRect l="-1043"/>
+                </a:stretch>
+              </a:blipFill>
+            </p:spPr>
+            <p:txBody>
+              <a:bodyPr/>
+              <a:lstStyle/>
+              <a:p>
+                <a:r>
+                  <a:rPr lang="de-DE">
+                    <a:noFill/>
+                  </a:rPr>
+                  <a:t> </a:t>
+                </a:r>
+              </a:p>
+            </p:txBody>
+          </p:sp>
+        </mc:Fallback>
+      </mc:AlternateContent>
+      <mc:AlternateContent xmlns:mc="http://schemas.openxmlformats.org/markup-compatibility/2006" xmlns:a14="http://schemas.microsoft.com/office/drawing/2010/main">
+        <mc:Choice Requires="a14">
+          <p:sp>
+            <p:nvSpPr>
+              <p:cNvPr id="6" name="Textfeld 5">
+                <a:extLst>
+                  <a:ext uri="{FF2B5EF4-FFF2-40B4-BE49-F238E27FC236}">
+                    <a16:creationId xmlns:a16="http://schemas.microsoft.com/office/drawing/2014/main" id="{9185860D-856C-4DDF-A608-91AA557EEBEF}"/>
+                  </a:ext>
+                </a:extLst>
+              </p:cNvPr>
+              <p:cNvSpPr txBox="1"/>
+              <p:nvPr/>
+            </p:nvSpPr>
+            <p:spPr>
+              <a:xfrm>
+                <a:off x="1761799" y="1825625"/>
+                <a:ext cx="8216702" cy="1236108"/>
+              </a:xfrm>
+              <a:prstGeom prst="rect">
+                <a:avLst/>
+              </a:prstGeom>
+              <a:noFill/>
+            </p:spPr>
+            <p:txBody>
+              <a:bodyPr wrap="square" lIns="0" tIns="0" rIns="0" bIns="0" rtlCol="0">
+                <a:spAutoFit/>
+              </a:bodyPr>
+              <a:lstStyle/>
+              <a:p>
+                <a:pPr/>
+                <a14:m>
+                  <m:oMathPara xmlns:m="http://schemas.openxmlformats.org/officeDocument/2006/math">
+                    <m:oMathParaPr>
+                      <m:jc m:val="centerGroup"/>
+                    </m:oMathParaPr>
+                    <m:oMath xmlns:m="http://schemas.openxmlformats.org/officeDocument/2006/math">
+                      <m:f>
+                        <m:fPr>
+                          <m:ctrlPr>
+                            <a:rPr lang="de-DE" sz="3200" i="1" smtClean="0">
+                              <a:latin typeface="Cambria Math" panose="02040503050406030204" pitchFamily="18" charset="0"/>
+                            </a:rPr>
+                          </m:ctrlPr>
+                        </m:fPr>
+                        <m:num>
+                          <m:sSup>
+                            <m:sSupPr>
+                              <m:ctrlPr>
+                                <a:rPr lang="de-DE" sz="3200" i="1">
+                                  <a:latin typeface="Cambria Math" panose="02040503050406030204" pitchFamily="18" charset="0"/>
+                                </a:rPr>
+                              </m:ctrlPr>
+                            </m:sSupPr>
+                            <m:e>
+                              <m:r>
+                                <a:rPr lang="de-DE" sz="3200">
+                                  <a:latin typeface="Cambria Math" panose="02040503050406030204" pitchFamily="18" charset="0"/>
+                                </a:rPr>
+                                <m:t>ⅆ</m:t>
+                              </m:r>
+                            </m:e>
+                            <m:sup>
+                              <m:r>
+                                <a:rPr lang="de-DE" sz="3200" i="0">
+                                  <a:latin typeface="Cambria Math" panose="02040503050406030204" pitchFamily="18" charset="0"/>
+                                </a:rPr>
+                                <m:t>2</m:t>
+                              </m:r>
+                            </m:sup>
+                          </m:sSup>
+                        </m:num>
+                        <m:den>
+                          <m:r>
+                            <a:rPr lang="de-DE" sz="3200" i="0">
+                              <a:latin typeface="Cambria Math" panose="02040503050406030204" pitchFamily="18" charset="0"/>
+                            </a:rPr>
+                            <m:t>ⅆ</m:t>
+                          </m:r>
+                          <m:sSup>
+                            <m:sSupPr>
+                              <m:ctrlPr>
+                                <a:rPr lang="de-DE" sz="3200" i="1">
+                                  <a:latin typeface="Cambria Math" panose="02040503050406030204" pitchFamily="18" charset="0"/>
+                                </a:rPr>
+                              </m:ctrlPr>
+                            </m:sSupPr>
+                            <m:e>
+                              <m:r>
+                                <a:rPr lang="de-DE" sz="3200" i="1">
+                                  <a:latin typeface="Cambria Math" panose="02040503050406030204" pitchFamily="18" charset="0"/>
+                                </a:rPr>
+                                <m:t>𝑡</m:t>
+                              </m:r>
+                            </m:e>
+                            <m:sup>
+                              <m:r>
+                                <a:rPr lang="de-DE" sz="3200" i="0">
+                                  <a:latin typeface="Cambria Math" panose="02040503050406030204" pitchFamily="18" charset="0"/>
+                                </a:rPr>
+                                <m:t>2</m:t>
+                              </m:r>
+                            </m:sup>
+                          </m:sSup>
+                        </m:den>
+                      </m:f>
+                      <m:sSub>
+                        <m:sSubPr>
+                          <m:ctrlPr>
+                            <a:rPr lang="de-DE" sz="3200" i="1">
+                              <a:latin typeface="Cambria Math" panose="02040503050406030204" pitchFamily="18" charset="0"/>
+                            </a:rPr>
+                          </m:ctrlPr>
+                        </m:sSubPr>
+                        <m:e>
+                          <m:r>
+                            <a:rPr lang="de-DE" sz="3200" i="1">
+                              <a:latin typeface="Cambria Math" panose="02040503050406030204" pitchFamily="18" charset="0"/>
+                            </a:rPr>
+                            <m:t>𝜙</m:t>
+                          </m:r>
+                        </m:e>
+                        <m:sub>
+                          <m:r>
+                            <a:rPr lang="de-DE" sz="3200" i="1">
+                              <a:latin typeface="Cambria Math" panose="02040503050406030204" pitchFamily="18" charset="0"/>
+                            </a:rPr>
+                            <m:t>𝑗</m:t>
+                          </m:r>
+                        </m:sub>
+                      </m:sSub>
+                      <m:r>
+                        <a:rPr lang="de-DE" sz="3200" i="0">
+                          <a:latin typeface="Cambria Math" panose="02040503050406030204" pitchFamily="18" charset="0"/>
+                        </a:rPr>
+                        <m:t>=</m:t>
+                      </m:r>
+                      <m:sSub>
+                        <m:sSubPr>
+                          <m:ctrlPr>
+                            <a:rPr lang="de-DE" sz="3200" i="1">
+                              <a:latin typeface="Cambria Math" panose="02040503050406030204" pitchFamily="18" charset="0"/>
+                            </a:rPr>
+                          </m:ctrlPr>
+                        </m:sSubPr>
+                        <m:e>
+                          <m:r>
+                            <a:rPr lang="de-DE" sz="3200" i="1">
+                              <a:latin typeface="Cambria Math" panose="02040503050406030204" pitchFamily="18" charset="0"/>
+                            </a:rPr>
+                            <m:t>𝑃</m:t>
+                          </m:r>
+                        </m:e>
+                        <m:sub>
+                          <m:r>
+                            <a:rPr lang="de-DE" sz="3200" i="1">
+                              <a:latin typeface="Cambria Math" panose="02040503050406030204" pitchFamily="18" charset="0"/>
+                            </a:rPr>
+                            <m:t>𝑗</m:t>
+                          </m:r>
+                        </m:sub>
+                      </m:sSub>
+                      <m:r>
+                        <a:rPr lang="de-DE" sz="3200" i="0">
+                          <a:latin typeface="Cambria Math" panose="02040503050406030204" pitchFamily="18" charset="0"/>
+                        </a:rPr>
+                        <m:t>−</m:t>
+                      </m:r>
+                      <m:r>
+                        <a:rPr lang="de-DE" sz="3200" i="1">
+                          <a:latin typeface="Cambria Math" panose="02040503050406030204" pitchFamily="18" charset="0"/>
+                        </a:rPr>
+                        <m:t>𝛼</m:t>
+                      </m:r>
+                      <m:f>
+                        <m:fPr>
+                          <m:ctrlPr>
+                            <a:rPr lang="de-DE" sz="3200" i="1">
+                              <a:latin typeface="Cambria Math" panose="02040503050406030204" pitchFamily="18" charset="0"/>
+                            </a:rPr>
+                          </m:ctrlPr>
+                        </m:fPr>
+                        <m:num>
+                          <m:r>
+                            <a:rPr lang="de-DE" sz="3200" i="0">
+                              <a:latin typeface="Cambria Math" panose="02040503050406030204" pitchFamily="18" charset="0"/>
+                            </a:rPr>
+                            <m:t>ⅆ</m:t>
+                          </m:r>
+                        </m:num>
+                        <m:den>
+                          <m:r>
+                            <a:rPr lang="de-DE" sz="3200" i="0">
+                              <a:latin typeface="Cambria Math" panose="02040503050406030204" pitchFamily="18" charset="0"/>
+                            </a:rPr>
+                            <m:t>ⅆ</m:t>
+                          </m:r>
+                          <m:r>
+                            <a:rPr lang="de-DE" sz="3200" i="1">
+                              <a:latin typeface="Cambria Math" panose="02040503050406030204" pitchFamily="18" charset="0"/>
+                            </a:rPr>
+                            <m:t>𝑡</m:t>
+                          </m:r>
+                        </m:den>
+                      </m:f>
+                      <m:sSub>
+                        <m:sSubPr>
+                          <m:ctrlPr>
+                            <a:rPr lang="de-DE" sz="3200" i="1">
+                              <a:latin typeface="Cambria Math" panose="02040503050406030204" pitchFamily="18" charset="0"/>
+                            </a:rPr>
+                          </m:ctrlPr>
+                        </m:sSubPr>
+                        <m:e>
+                          <m:r>
+                            <a:rPr lang="de-DE" sz="3200" i="1">
+                              <a:latin typeface="Cambria Math" panose="02040503050406030204" pitchFamily="18" charset="0"/>
+                            </a:rPr>
+                            <m:t>𝜙</m:t>
+                          </m:r>
+                        </m:e>
+                        <m:sub>
+                          <m:r>
+                            <a:rPr lang="de-DE" sz="3200" i="1">
+                              <a:latin typeface="Cambria Math" panose="02040503050406030204" pitchFamily="18" charset="0"/>
+                            </a:rPr>
+                            <m:t>𝑗</m:t>
+                          </m:r>
+                        </m:sub>
+                      </m:sSub>
+                      <m:r>
+                        <a:rPr lang="de-DE" sz="3200" i="0">
+                          <a:latin typeface="Cambria Math" panose="02040503050406030204" pitchFamily="18" charset="0"/>
+                        </a:rPr>
+                        <m:t>−</m:t>
+                      </m:r>
+                      <m:nary>
+                        <m:naryPr>
+                          <m:chr m:val="∑"/>
+                          <m:limLoc m:val="undOvr"/>
+                          <m:grow m:val="on"/>
+                          <m:supHide m:val="on"/>
+                          <m:ctrlPr>
+                            <a:rPr lang="de-DE" sz="3200" i="1">
+                              <a:latin typeface="Cambria Math" panose="02040503050406030204" pitchFamily="18" charset="0"/>
+                            </a:rPr>
+                          </m:ctrlPr>
+                        </m:naryPr>
+                        <m:sub>
+                          <m:r>
+                            <a:rPr lang="de-DE" sz="3200" i="1">
+                              <a:latin typeface="Cambria Math" panose="02040503050406030204" pitchFamily="18" charset="0"/>
+                            </a:rPr>
+                            <m:t>𝑖</m:t>
+                          </m:r>
+                        </m:sub>
+                        <m:sup/>
+                        <m:e>
+                          <m:sSub>
+                            <m:sSubPr>
+                              <m:ctrlPr>
+                                <a:rPr lang="de-DE" sz="3200" i="1">
+                                  <a:latin typeface="Cambria Math" panose="02040503050406030204" pitchFamily="18" charset="0"/>
+                                </a:rPr>
+                              </m:ctrlPr>
+                            </m:sSubPr>
+                            <m:e>
+                              <m:r>
+                                <a:rPr lang="de-DE" sz="3200" i="1">
+                                  <a:latin typeface="Cambria Math" panose="02040503050406030204" pitchFamily="18" charset="0"/>
+                                </a:rPr>
+                                <m:t>𝐾</m:t>
+                              </m:r>
+                            </m:e>
+                            <m:sub>
+                              <m:r>
+                                <a:rPr lang="de-DE" sz="3200" i="1">
+                                  <a:latin typeface="Cambria Math" panose="02040503050406030204" pitchFamily="18" charset="0"/>
+                                </a:rPr>
+                                <m:t>𝑖𝑗</m:t>
+                              </m:r>
+                            </m:sub>
+                          </m:sSub>
+                          <m:func>
+                            <m:funcPr>
+                              <m:ctrlPr>
+                                <a:rPr lang="de-DE" sz="3200" i="1">
+                                  <a:latin typeface="Cambria Math" panose="02040503050406030204" pitchFamily="18" charset="0"/>
+                                </a:rPr>
+                              </m:ctrlPr>
+                            </m:funcPr>
+                            <m:fName>
+                              <m:r>
+                                <m:rPr>
+                                  <m:sty m:val="p"/>
+                                </m:rPr>
+                                <a:rPr lang="de-DE" sz="3200" i="0">
+                                  <a:latin typeface="Cambria Math" panose="02040503050406030204" pitchFamily="18" charset="0"/>
+                                </a:rPr>
+                                <m:t>sin</m:t>
+                              </m:r>
+                            </m:fName>
+                            <m:e>
+                              <m:d>
+                                <m:dPr>
+                                  <m:ctrlPr>
+                                    <a:rPr lang="de-DE" sz="3200" i="1">
+                                      <a:latin typeface="Cambria Math" panose="02040503050406030204" pitchFamily="18" charset="0"/>
+                                    </a:rPr>
+                                  </m:ctrlPr>
+                                </m:dPr>
+                                <m:e>
+                                  <m:sSub>
+                                    <m:sSubPr>
+                                      <m:ctrlPr>
+                                        <a:rPr lang="de-DE" sz="3200" i="1">
+                                          <a:latin typeface="Cambria Math" panose="02040503050406030204" pitchFamily="18" charset="0"/>
+                                        </a:rPr>
+                                      </m:ctrlPr>
+                                    </m:sSubPr>
+                                    <m:e>
+                                      <m:r>
+                                        <a:rPr lang="de-DE" sz="3200" i="1">
+                                          <a:latin typeface="Cambria Math" panose="02040503050406030204" pitchFamily="18" charset="0"/>
+                                        </a:rPr>
+                                        <m:t>𝜙</m:t>
+                                      </m:r>
+                                    </m:e>
+                                    <m:sub>
+                                      <m:r>
+                                        <a:rPr lang="de-DE" sz="3200" i="1">
+                                          <a:latin typeface="Cambria Math" panose="02040503050406030204" pitchFamily="18" charset="0"/>
+                                        </a:rPr>
+                                        <m:t>𝑖</m:t>
+                                      </m:r>
+                                    </m:sub>
+                                  </m:sSub>
+                                  <m:r>
+                                    <a:rPr lang="de-DE" sz="3200" i="0">
+                                      <a:latin typeface="Cambria Math" panose="02040503050406030204" pitchFamily="18" charset="0"/>
+                                    </a:rPr>
+                                    <m:t>−</m:t>
+                                  </m:r>
+                                  <m:sSub>
+                                    <m:sSubPr>
+                                      <m:ctrlPr>
+                                        <a:rPr lang="de-DE" sz="3200" i="1">
+                                          <a:latin typeface="Cambria Math" panose="02040503050406030204" pitchFamily="18" charset="0"/>
+                                        </a:rPr>
+                                      </m:ctrlPr>
+                                    </m:sSubPr>
+                                    <m:e>
+                                      <m:r>
+                                        <a:rPr lang="de-DE" sz="3200" i="1">
+                                          <a:latin typeface="Cambria Math" panose="02040503050406030204" pitchFamily="18" charset="0"/>
+                                        </a:rPr>
+                                        <m:t>𝜙</m:t>
+                                      </m:r>
+                                    </m:e>
+                                    <m:sub>
+                                      <m:r>
+                                        <a:rPr lang="de-DE" sz="3200" i="1">
+                                          <a:latin typeface="Cambria Math" panose="02040503050406030204" pitchFamily="18" charset="0"/>
+                                        </a:rPr>
+                                        <m:t>𝑗</m:t>
+                                      </m:r>
+                                    </m:sub>
+                                  </m:sSub>
+                                </m:e>
+                              </m:d>
+                            </m:e>
+                          </m:func>
+                        </m:e>
+                      </m:nary>
+                    </m:oMath>
+                  </m:oMathPara>
+                </a14:m>
+                <a:endParaRPr lang="de-DE" sz="3200" dirty="0"/>
+              </a:p>
+            </p:txBody>
+          </p:sp>
+        </mc:Choice>
+        <mc:Fallback xmlns="">
+          <p:sp>
+            <p:nvSpPr>
+              <p:cNvPr id="6" name="Textfeld 5">
+                <a:extLst>
+                  <a:ext uri="{FF2B5EF4-FFF2-40B4-BE49-F238E27FC236}">
+                    <a16:creationId xmlns:a16="http://schemas.microsoft.com/office/drawing/2014/main" id="{9185860D-856C-4DDF-A608-91AA557EEBEF}"/>
+                  </a:ext>
+                </a:extLst>
+              </p:cNvPr>
+              <p:cNvSpPr txBox="1">
+                <a:spLocks noRot="1" noChangeAspect="1" noMove="1" noResize="1" noEditPoints="1" noAdjustHandles="1" noChangeArrowheads="1" noChangeShapeType="1" noTextEdit="1"/>
+              </p:cNvSpPr>
+              <p:nvPr/>
+            </p:nvSpPr>
+            <p:spPr>
+              <a:xfrm>
+                <a:off x="1761799" y="1825625"/>
+                <a:ext cx="8216702" cy="1236108"/>
+              </a:xfrm>
+              <a:prstGeom prst="rect">
+                <a:avLst/>
+              </a:prstGeom>
+              <a:blipFill>
+                <a:blip r:embed="rId3"/>
+                <a:stretch>
+                  <a:fillRect/>
+                </a:stretch>
+              </a:blipFill>
+            </p:spPr>
+            <p:txBody>
+              <a:bodyPr/>
+              <a:lstStyle/>
+              <a:p>
+                <a:r>
+                  <a:rPr lang="de-DE">
+                    <a:noFill/>
+                  </a:rPr>
+                  <a:t> </a:t>
+                </a:r>
+              </a:p>
+            </p:txBody>
+          </p:sp>
+        </mc:Fallback>
+      </mc:AlternateContent>
     </p:spTree>
     <p:extLst>
       <p:ext uri="{BB962C8B-B14F-4D97-AF65-F5344CB8AC3E}">
@@ -3726,30 +4343,44 @@
             <p:ph idx="1"/>
           </p:nvPr>
         </p:nvSpPr>
-        <p:spPr/>
+        <p:spPr>
+          <a:xfrm>
+            <a:off x="838200" y="1825625"/>
+            <a:ext cx="10515600" cy="4351338"/>
+          </a:xfrm>
+        </p:spPr>
         <p:txBody>
           <a:bodyPr/>
           <a:lstStyle/>
           <a:p>
             <a:pPr lvl="0"/>
+            <a:endParaRPr lang="de-DE" dirty="0"/>
+          </a:p>
+          <a:p>
+            <a:pPr marL="0" lvl="0" indent="0">
+              <a:buNone/>
+            </a:pPr>
+            <a:endParaRPr lang="de-DE" dirty="0"/>
+          </a:p>
+          <a:p>
+            <a:pPr lvl="0"/>
+            <a:endParaRPr lang="de-DE" dirty="0"/>
+          </a:p>
+          <a:p>
+            <a:pPr marL="0" lvl="0" indent="0">
+              <a:buNone/>
+            </a:pPr>
+            <a:endParaRPr lang="de-DE" dirty="0"/>
+          </a:p>
+          <a:p>
+            <a:pPr lvl="0"/>
+            <a:endParaRPr lang="de-DE" dirty="0"/>
+          </a:p>
+          <a:p>
+            <a:pPr lvl="0"/>
             <a:r>
               <a:rPr lang="de-DE" dirty="0"/>
               <a:t>Anpassung RK4</a:t>
-            </a:r>
-          </a:p>
-          <a:p>
-            <a:pPr lvl="0"/>
-            <a:r>
-              <a:rPr lang="de-DE" dirty="0"/>
-              <a:t>(hier </a:t>
-            </a:r>
-            <a:r>
-              <a:rPr lang="de-DE" dirty="0" err="1"/>
-              <a:t>geteXte</a:t>
-            </a:r>
-            <a:r>
-              <a:rPr lang="de-DE" dirty="0"/>
-              <a:t> Formeln 2 hin)</a:t>
             </a:r>
           </a:p>
           <a:p>
@@ -3774,6 +4405,1005 @@
           </a:p>
         </p:txBody>
       </p:sp>
+      <mc:AlternateContent xmlns:mc="http://schemas.openxmlformats.org/markup-compatibility/2006" xmlns:a14="http://schemas.microsoft.com/office/drawing/2010/main">
+        <mc:Choice Requires="a14">
+          <p:sp>
+            <p:nvSpPr>
+              <p:cNvPr id="4" name="Textfeld 3">
+                <a:extLst>
+                  <a:ext uri="{FF2B5EF4-FFF2-40B4-BE49-F238E27FC236}">
+                    <a16:creationId xmlns:a16="http://schemas.microsoft.com/office/drawing/2014/main" id="{BF1F2350-8C17-438C-A654-904F720FC884}"/>
+                  </a:ext>
+                </a:extLst>
+              </p:cNvPr>
+              <p:cNvSpPr txBox="1"/>
+              <p:nvPr/>
+            </p:nvSpPr>
+            <p:spPr>
+              <a:xfrm>
+                <a:off x="838200" y="1664376"/>
+                <a:ext cx="3006436" cy="276999"/>
+              </a:xfrm>
+              <a:prstGeom prst="rect">
+                <a:avLst/>
+              </a:prstGeom>
+              <a:noFill/>
+            </p:spPr>
+            <p:txBody>
+              <a:bodyPr wrap="square" lIns="0" tIns="0" rIns="0" bIns="0" rtlCol="0">
+                <a:spAutoFit/>
+              </a:bodyPr>
+              <a:lstStyle/>
+              <a:p>
+                <a:pPr/>
+                <a14:m>
+                  <m:oMathPara xmlns:m="http://schemas.openxmlformats.org/officeDocument/2006/math">
+                    <m:oMathParaPr>
+                      <m:jc m:val="centerGroup"/>
+                    </m:oMathParaPr>
+                    <m:oMath xmlns:m="http://schemas.openxmlformats.org/officeDocument/2006/math">
+                      <m:sSub>
+                        <m:sSubPr>
+                          <m:ctrlPr>
+                            <a:rPr lang="de-DE" i="1" dirty="0" smtClean="0">
+                              <a:latin typeface="Cambria Math" panose="02040503050406030204" pitchFamily="18" charset="0"/>
+                            </a:rPr>
+                          </m:ctrlPr>
+                        </m:sSubPr>
+                        <m:e>
+                          <m:r>
+                            <a:rPr lang="de-DE" i="1" dirty="0">
+                              <a:latin typeface="Cambria Math" panose="02040503050406030204" pitchFamily="18" charset="0"/>
+                            </a:rPr>
+                            <m:t>𝑘</m:t>
+                          </m:r>
+                        </m:e>
+                        <m:sub>
+                          <m:r>
+                            <a:rPr lang="de-DE" i="0" dirty="0">
+                              <a:latin typeface="Cambria Math" panose="02040503050406030204" pitchFamily="18" charset="0"/>
+                            </a:rPr>
+                            <m:t>1</m:t>
+                          </m:r>
+                        </m:sub>
+                      </m:sSub>
+                      <m:r>
+                        <a:rPr lang="de-DE" i="0" dirty="0">
+                          <a:latin typeface="Cambria Math" panose="02040503050406030204" pitchFamily="18" charset="0"/>
+                        </a:rPr>
+                        <m:t>=</m:t>
+                      </m:r>
+                      <m:r>
+                        <a:rPr lang="de-DE" i="1" dirty="0">
+                          <a:latin typeface="Cambria Math" panose="02040503050406030204" pitchFamily="18" charset="0"/>
+                        </a:rPr>
+                        <m:t>𝑓</m:t>
+                      </m:r>
+                      <m:d>
+                        <m:dPr>
+                          <m:ctrlPr>
+                            <a:rPr lang="de-DE" i="1" dirty="0">
+                              <a:latin typeface="Cambria Math" panose="02040503050406030204" pitchFamily="18" charset="0"/>
+                            </a:rPr>
+                          </m:ctrlPr>
+                        </m:dPr>
+                        <m:e>
+                          <m:sSub>
+                            <m:sSubPr>
+                              <m:ctrlPr>
+                                <a:rPr lang="de-DE" i="1" dirty="0">
+                                  <a:latin typeface="Cambria Math" panose="02040503050406030204" pitchFamily="18" charset="0"/>
+                                </a:rPr>
+                              </m:ctrlPr>
+                            </m:sSubPr>
+                            <m:e>
+                              <m:r>
+                                <a:rPr lang="de-DE" i="1" dirty="0">
+                                  <a:latin typeface="Cambria Math" panose="02040503050406030204" pitchFamily="18" charset="0"/>
+                                </a:rPr>
+                                <m:t>𝑡</m:t>
+                              </m:r>
+                            </m:e>
+                            <m:sub>
+                              <m:r>
+                                <a:rPr lang="de-DE" i="1" dirty="0">
+                                  <a:latin typeface="Cambria Math" panose="02040503050406030204" pitchFamily="18" charset="0"/>
+                                </a:rPr>
+                                <m:t>𝑛</m:t>
+                              </m:r>
+                            </m:sub>
+                          </m:sSub>
+                          <m:r>
+                            <a:rPr lang="de-DE" i="0" dirty="0">
+                              <a:latin typeface="Cambria Math" panose="02040503050406030204" pitchFamily="18" charset="0"/>
+                            </a:rPr>
+                            <m:t>,</m:t>
+                          </m:r>
+                          <m:sSub>
+                            <m:sSubPr>
+                              <m:ctrlPr>
+                                <a:rPr lang="de-DE" i="1" dirty="0">
+                                  <a:latin typeface="Cambria Math" panose="02040503050406030204" pitchFamily="18" charset="0"/>
+                                </a:rPr>
+                              </m:ctrlPr>
+                            </m:sSubPr>
+                            <m:e>
+                              <m:r>
+                                <a:rPr lang="de-DE" i="1" dirty="0">
+                                  <a:latin typeface="Cambria Math" panose="02040503050406030204" pitchFamily="18" charset="0"/>
+                                </a:rPr>
+                                <m:t>𝑥</m:t>
+                              </m:r>
+                            </m:e>
+                            <m:sub>
+                              <m:r>
+                                <a:rPr lang="de-DE" i="1" dirty="0">
+                                  <a:latin typeface="Cambria Math" panose="02040503050406030204" pitchFamily="18" charset="0"/>
+                                </a:rPr>
+                                <m:t>𝑛</m:t>
+                              </m:r>
+                            </m:sub>
+                          </m:sSub>
+                        </m:e>
+                      </m:d>
+                    </m:oMath>
+                  </m:oMathPara>
+                </a14:m>
+                <a:endParaRPr lang="de-DE" dirty="0"/>
+              </a:p>
+            </p:txBody>
+          </p:sp>
+        </mc:Choice>
+        <mc:Fallback xmlns="">
+          <p:sp>
+            <p:nvSpPr>
+              <p:cNvPr id="4" name="Textfeld 3">
+                <a:extLst>
+                  <a:ext uri="{FF2B5EF4-FFF2-40B4-BE49-F238E27FC236}">
+                    <a16:creationId xmlns:a16="http://schemas.microsoft.com/office/drawing/2014/main" id="{BF1F2350-8C17-438C-A654-904F720FC884}"/>
+                  </a:ext>
+                </a:extLst>
+              </p:cNvPr>
+              <p:cNvSpPr txBox="1">
+                <a:spLocks noRot="1" noChangeAspect="1" noMove="1" noResize="1" noEditPoints="1" noAdjustHandles="1" noChangeArrowheads="1" noChangeShapeType="1" noTextEdit="1"/>
+              </p:cNvSpPr>
+              <p:nvPr/>
+            </p:nvSpPr>
+            <p:spPr>
+              <a:xfrm>
+                <a:off x="838200" y="1664376"/>
+                <a:ext cx="3006436" cy="276999"/>
+              </a:xfrm>
+              <a:prstGeom prst="rect">
+                <a:avLst/>
+              </a:prstGeom>
+              <a:blipFill>
+                <a:blip r:embed="rId2"/>
+                <a:stretch>
+                  <a:fillRect t="-2222" b="-35556"/>
+                </a:stretch>
+              </a:blipFill>
+            </p:spPr>
+            <p:txBody>
+              <a:bodyPr/>
+              <a:lstStyle/>
+              <a:p>
+                <a:r>
+                  <a:rPr lang="de-DE">
+                    <a:noFill/>
+                  </a:rPr>
+                  <a:t> </a:t>
+                </a:r>
+              </a:p>
+            </p:txBody>
+          </p:sp>
+        </mc:Fallback>
+      </mc:AlternateContent>
+      <mc:AlternateContent xmlns:mc="http://schemas.openxmlformats.org/markup-compatibility/2006" xmlns:a14="http://schemas.microsoft.com/office/drawing/2010/main">
+        <mc:Choice Requires="a14">
+          <p:sp>
+            <p:nvSpPr>
+              <p:cNvPr id="5" name="Textfeld 4">
+                <a:extLst>
+                  <a:ext uri="{FF2B5EF4-FFF2-40B4-BE49-F238E27FC236}">
+                    <a16:creationId xmlns:a16="http://schemas.microsoft.com/office/drawing/2014/main" id="{D99F3351-1CFF-4CAC-A3F2-DA4AB1DEF0C5}"/>
+                  </a:ext>
+                </a:extLst>
+              </p:cNvPr>
+              <p:cNvSpPr txBox="1"/>
+              <p:nvPr/>
+            </p:nvSpPr>
+            <p:spPr>
+              <a:xfrm flipH="1">
+                <a:off x="1348476" y="2085898"/>
+                <a:ext cx="3224442" cy="622350"/>
+              </a:xfrm>
+              <a:prstGeom prst="rect">
+                <a:avLst/>
+              </a:prstGeom>
+              <a:noFill/>
+            </p:spPr>
+            <p:txBody>
+              <a:bodyPr wrap="square" lIns="0" tIns="0" rIns="0" bIns="0" rtlCol="0">
+                <a:spAutoFit/>
+              </a:bodyPr>
+              <a:lstStyle/>
+              <a:p>
+                <a:pPr/>
+                <a14:m>
+                  <m:oMathPara xmlns:m="http://schemas.openxmlformats.org/officeDocument/2006/math">
+                    <m:oMathParaPr>
+                      <m:jc m:val="centerGroup"/>
+                    </m:oMathParaPr>
+                    <m:oMath xmlns:m="http://schemas.openxmlformats.org/officeDocument/2006/math">
+                      <m:sSub>
+                        <m:sSubPr>
+                          <m:ctrlPr>
+                            <a:rPr lang="de-DE" i="1" smtClean="0">
+                              <a:latin typeface="Cambria Math" panose="02040503050406030204" pitchFamily="18" charset="0"/>
+                            </a:rPr>
+                          </m:ctrlPr>
+                        </m:sSubPr>
+                        <m:e>
+                          <m:r>
+                            <a:rPr lang="de-DE" i="1" smtClean="0">
+                              <a:latin typeface="Cambria Math" panose="02040503050406030204" pitchFamily="18" charset="0"/>
+                            </a:rPr>
+                            <m:t>𝑘</m:t>
+                          </m:r>
+                        </m:e>
+                        <m:sub>
+                          <m:r>
+                            <a:rPr lang="de-DE" i="1" smtClean="0">
+                              <a:latin typeface="Cambria Math" panose="02040503050406030204" pitchFamily="18" charset="0"/>
+                            </a:rPr>
+                            <m:t>2</m:t>
+                          </m:r>
+                        </m:sub>
+                      </m:sSub>
+                      <m:r>
+                        <a:rPr lang="de-DE" i="1" smtClean="0">
+                          <a:latin typeface="Cambria Math" panose="02040503050406030204" pitchFamily="18" charset="0"/>
+                        </a:rPr>
+                        <m:t>=</m:t>
+                      </m:r>
+                      <m:r>
+                        <a:rPr lang="de-DE" i="1" smtClean="0">
+                          <a:latin typeface="Cambria Math" panose="02040503050406030204" pitchFamily="18" charset="0"/>
+                        </a:rPr>
+                        <m:t>𝑓</m:t>
+                      </m:r>
+                      <m:d>
+                        <m:dPr>
+                          <m:ctrlPr>
+                            <a:rPr lang="de-DE" i="1" smtClean="0">
+                              <a:latin typeface="Cambria Math" panose="02040503050406030204" pitchFamily="18" charset="0"/>
+                            </a:rPr>
+                          </m:ctrlPr>
+                        </m:dPr>
+                        <m:e>
+                          <m:sSub>
+                            <m:sSubPr>
+                              <m:ctrlPr>
+                                <a:rPr lang="de-DE" i="1" smtClean="0">
+                                  <a:latin typeface="Cambria Math" panose="02040503050406030204" pitchFamily="18" charset="0"/>
+                                </a:rPr>
+                              </m:ctrlPr>
+                            </m:sSubPr>
+                            <m:e>
+                              <m:r>
+                                <a:rPr lang="de-DE" i="1" smtClean="0">
+                                  <a:latin typeface="Cambria Math" panose="02040503050406030204" pitchFamily="18" charset="0"/>
+                                </a:rPr>
+                                <m:t>𝑡</m:t>
+                              </m:r>
+                            </m:e>
+                            <m:sub>
+                              <m:r>
+                                <a:rPr lang="de-DE" i="1" smtClean="0">
+                                  <a:latin typeface="Cambria Math" panose="02040503050406030204" pitchFamily="18" charset="0"/>
+                                </a:rPr>
+                                <m:t>𝑛</m:t>
+                              </m:r>
+                            </m:sub>
+                          </m:sSub>
+                          <m:r>
+                            <a:rPr lang="de-DE" i="1" smtClean="0">
+                              <a:latin typeface="Cambria Math" panose="02040503050406030204" pitchFamily="18" charset="0"/>
+                            </a:rPr>
+                            <m:t>+</m:t>
+                          </m:r>
+                          <m:f>
+                            <m:fPr>
+                              <m:ctrlPr>
+                                <a:rPr lang="de-DE" b="0" i="1" smtClean="0">
+                                  <a:latin typeface="Cambria Math" panose="02040503050406030204" pitchFamily="18" charset="0"/>
+                                </a:rPr>
+                              </m:ctrlPr>
+                            </m:fPr>
+                            <m:num>
+                              <m:r>
+                                <a:rPr lang="de-DE" b="0" i="1" smtClean="0">
+                                  <a:latin typeface="Cambria Math" panose="02040503050406030204" pitchFamily="18" charset="0"/>
+                                </a:rPr>
+                                <m:t>h</m:t>
+                              </m:r>
+                            </m:num>
+                            <m:den>
+                              <m:r>
+                                <a:rPr lang="de-DE" b="0" i="1" smtClean="0">
+                                  <a:latin typeface="Cambria Math" panose="02040503050406030204" pitchFamily="18" charset="0"/>
+                                </a:rPr>
+                                <m:t>2</m:t>
+                              </m:r>
+                            </m:den>
+                          </m:f>
+                          <m:r>
+                            <a:rPr lang="de-DE" i="1" smtClean="0">
+                              <a:latin typeface="Cambria Math" panose="02040503050406030204" pitchFamily="18" charset="0"/>
+                            </a:rPr>
+                            <m:t>,</m:t>
+                          </m:r>
+                          <m:sSub>
+                            <m:sSubPr>
+                              <m:ctrlPr>
+                                <a:rPr lang="de-DE" i="1" smtClean="0">
+                                  <a:latin typeface="Cambria Math" panose="02040503050406030204" pitchFamily="18" charset="0"/>
+                                </a:rPr>
+                              </m:ctrlPr>
+                            </m:sSubPr>
+                            <m:e>
+                              <m:r>
+                                <a:rPr lang="de-DE" i="1" smtClean="0">
+                                  <a:latin typeface="Cambria Math" panose="02040503050406030204" pitchFamily="18" charset="0"/>
+                                </a:rPr>
+                                <m:t>𝑥</m:t>
+                              </m:r>
+                            </m:e>
+                            <m:sub>
+                              <m:r>
+                                <a:rPr lang="de-DE" i="1" smtClean="0">
+                                  <a:latin typeface="Cambria Math" panose="02040503050406030204" pitchFamily="18" charset="0"/>
+                                </a:rPr>
+                                <m:t>𝑛</m:t>
+                              </m:r>
+                            </m:sub>
+                          </m:sSub>
+                          <m:r>
+                            <a:rPr lang="de-DE" i="1" smtClean="0">
+                              <a:latin typeface="Cambria Math" panose="02040503050406030204" pitchFamily="18" charset="0"/>
+                            </a:rPr>
+                            <m:t>+</m:t>
+                          </m:r>
+                          <m:f>
+                            <m:fPr>
+                              <m:ctrlPr>
+                                <a:rPr lang="de-DE" b="0" i="1" smtClean="0">
+                                  <a:latin typeface="Cambria Math" panose="02040503050406030204" pitchFamily="18" charset="0"/>
+                                </a:rPr>
+                              </m:ctrlPr>
+                            </m:fPr>
+                            <m:num>
+                              <m:r>
+                                <a:rPr lang="de-DE" b="0" i="1" smtClean="0">
+                                  <a:latin typeface="Cambria Math" panose="02040503050406030204" pitchFamily="18" charset="0"/>
+                                </a:rPr>
+                                <m:t>h</m:t>
+                              </m:r>
+                            </m:num>
+                            <m:den>
+                              <m:r>
+                                <a:rPr lang="de-DE" b="0" i="1" smtClean="0">
+                                  <a:latin typeface="Cambria Math" panose="02040503050406030204" pitchFamily="18" charset="0"/>
+                                </a:rPr>
+                                <m:t>2</m:t>
+                              </m:r>
+                            </m:den>
+                          </m:f>
+                          <m:sSub>
+                            <m:sSubPr>
+                              <m:ctrlPr>
+                                <a:rPr lang="de-DE" i="1" smtClean="0">
+                                  <a:latin typeface="Cambria Math" panose="02040503050406030204" pitchFamily="18" charset="0"/>
+                                </a:rPr>
+                              </m:ctrlPr>
+                            </m:sSubPr>
+                            <m:e>
+                              <m:r>
+                                <a:rPr lang="de-DE" i="1" smtClean="0">
+                                  <a:latin typeface="Cambria Math" panose="02040503050406030204" pitchFamily="18" charset="0"/>
+                                </a:rPr>
+                                <m:t>𝑘</m:t>
+                              </m:r>
+                            </m:e>
+                            <m:sub>
+                              <m:r>
+                                <a:rPr lang="de-DE" i="1" smtClean="0">
+                                  <a:latin typeface="Cambria Math" panose="02040503050406030204" pitchFamily="18" charset="0"/>
+                                </a:rPr>
+                                <m:t>1</m:t>
+                              </m:r>
+                            </m:sub>
+                          </m:sSub>
+                        </m:e>
+                      </m:d>
+                    </m:oMath>
+                  </m:oMathPara>
+                </a14:m>
+                <a:endParaRPr lang="de-DE" dirty="0"/>
+              </a:p>
+            </p:txBody>
+          </p:sp>
+        </mc:Choice>
+        <mc:Fallback xmlns="">
+          <p:sp>
+            <p:nvSpPr>
+              <p:cNvPr id="5" name="Textfeld 4">
+                <a:extLst>
+                  <a:ext uri="{FF2B5EF4-FFF2-40B4-BE49-F238E27FC236}">
+                    <a16:creationId xmlns:a16="http://schemas.microsoft.com/office/drawing/2014/main" id="{D99F3351-1CFF-4CAC-A3F2-DA4AB1DEF0C5}"/>
+                  </a:ext>
+                </a:extLst>
+              </p:cNvPr>
+              <p:cNvSpPr txBox="1">
+                <a:spLocks noRot="1" noChangeAspect="1" noMove="1" noResize="1" noEditPoints="1" noAdjustHandles="1" noChangeArrowheads="1" noChangeShapeType="1" noTextEdit="1"/>
+              </p:cNvSpPr>
+              <p:nvPr/>
+            </p:nvSpPr>
+            <p:spPr>
+              <a:xfrm flipH="1">
+                <a:off x="1348476" y="2085898"/>
+                <a:ext cx="3224442" cy="622350"/>
+              </a:xfrm>
+              <a:prstGeom prst="rect">
+                <a:avLst/>
+              </a:prstGeom>
+              <a:blipFill>
+                <a:blip r:embed="rId3"/>
+                <a:stretch>
+                  <a:fillRect/>
+                </a:stretch>
+              </a:blipFill>
+            </p:spPr>
+            <p:txBody>
+              <a:bodyPr/>
+              <a:lstStyle/>
+              <a:p>
+                <a:r>
+                  <a:rPr lang="de-DE">
+                    <a:noFill/>
+                  </a:rPr>
+                  <a:t> </a:t>
+                </a:r>
+              </a:p>
+            </p:txBody>
+          </p:sp>
+        </mc:Fallback>
+      </mc:AlternateContent>
+      <mc:AlternateContent xmlns:mc="http://schemas.openxmlformats.org/markup-compatibility/2006" xmlns:a14="http://schemas.microsoft.com/office/drawing/2010/main">
+        <mc:Choice Requires="a14">
+          <p:sp>
+            <p:nvSpPr>
+              <p:cNvPr id="6" name="Textfeld 5">
+                <a:extLst>
+                  <a:ext uri="{FF2B5EF4-FFF2-40B4-BE49-F238E27FC236}">
+                    <a16:creationId xmlns:a16="http://schemas.microsoft.com/office/drawing/2014/main" id="{86FBAFFD-D847-4B99-AFAC-D73F64338C6D}"/>
+                  </a:ext>
+                </a:extLst>
+              </p:cNvPr>
+              <p:cNvSpPr txBox="1"/>
+              <p:nvPr/>
+            </p:nvSpPr>
+            <p:spPr>
+              <a:xfrm flipH="1">
+                <a:off x="1508636" y="2771171"/>
+                <a:ext cx="2904121" cy="622350"/>
+              </a:xfrm>
+              <a:prstGeom prst="rect">
+                <a:avLst/>
+              </a:prstGeom>
+              <a:noFill/>
+            </p:spPr>
+            <p:txBody>
+              <a:bodyPr wrap="square" lIns="0" tIns="0" rIns="0" bIns="0" rtlCol="0">
+                <a:spAutoFit/>
+              </a:bodyPr>
+              <a:lstStyle/>
+              <a:p>
+                <a:pPr/>
+                <a14:m>
+                  <m:oMathPara xmlns:m="http://schemas.openxmlformats.org/officeDocument/2006/math">
+                    <m:oMathParaPr>
+                      <m:jc m:val="centerGroup"/>
+                    </m:oMathParaPr>
+                    <m:oMath xmlns:m="http://schemas.openxmlformats.org/officeDocument/2006/math">
+                      <m:sSub>
+                        <m:sSubPr>
+                          <m:ctrlPr>
+                            <a:rPr lang="de-DE" i="1" smtClean="0">
+                              <a:latin typeface="Cambria Math" panose="02040503050406030204" pitchFamily="18" charset="0"/>
+                            </a:rPr>
+                          </m:ctrlPr>
+                        </m:sSubPr>
+                        <m:e>
+                          <m:r>
+                            <a:rPr lang="de-DE" i="1" smtClean="0">
+                              <a:latin typeface="Cambria Math" panose="02040503050406030204" pitchFamily="18" charset="0"/>
+                            </a:rPr>
+                            <m:t>𝑘</m:t>
+                          </m:r>
+                        </m:e>
+                        <m:sub>
+                          <m:r>
+                            <a:rPr lang="de-DE" i="1" smtClean="0">
+                              <a:latin typeface="Cambria Math" panose="02040503050406030204" pitchFamily="18" charset="0"/>
+                            </a:rPr>
+                            <m:t>3</m:t>
+                          </m:r>
+                        </m:sub>
+                      </m:sSub>
+                      <m:r>
+                        <a:rPr lang="de-DE" i="1" smtClean="0">
+                          <a:latin typeface="Cambria Math" panose="02040503050406030204" pitchFamily="18" charset="0"/>
+                        </a:rPr>
+                        <m:t>=</m:t>
+                      </m:r>
+                      <m:r>
+                        <a:rPr lang="de-DE" i="1" smtClean="0">
+                          <a:latin typeface="Cambria Math" panose="02040503050406030204" pitchFamily="18" charset="0"/>
+                        </a:rPr>
+                        <m:t>𝑓</m:t>
+                      </m:r>
+                      <m:d>
+                        <m:dPr>
+                          <m:ctrlPr>
+                            <a:rPr lang="de-DE" i="1" smtClean="0">
+                              <a:latin typeface="Cambria Math" panose="02040503050406030204" pitchFamily="18" charset="0"/>
+                            </a:rPr>
+                          </m:ctrlPr>
+                        </m:dPr>
+                        <m:e>
+                          <m:sSub>
+                            <m:sSubPr>
+                              <m:ctrlPr>
+                                <a:rPr lang="de-DE" i="1" smtClean="0">
+                                  <a:latin typeface="Cambria Math" panose="02040503050406030204" pitchFamily="18" charset="0"/>
+                                </a:rPr>
+                              </m:ctrlPr>
+                            </m:sSubPr>
+                            <m:e>
+                              <m:r>
+                                <a:rPr lang="de-DE" i="1" smtClean="0">
+                                  <a:latin typeface="Cambria Math" panose="02040503050406030204" pitchFamily="18" charset="0"/>
+                                </a:rPr>
+                                <m:t>𝑡</m:t>
+                              </m:r>
+                            </m:e>
+                            <m:sub>
+                              <m:r>
+                                <a:rPr lang="de-DE" i="1" smtClean="0">
+                                  <a:latin typeface="Cambria Math" panose="02040503050406030204" pitchFamily="18" charset="0"/>
+                                </a:rPr>
+                                <m:t>𝑛</m:t>
+                              </m:r>
+                            </m:sub>
+                          </m:sSub>
+                          <m:r>
+                            <a:rPr lang="de-DE" i="1" smtClean="0">
+                              <a:latin typeface="Cambria Math" panose="02040503050406030204" pitchFamily="18" charset="0"/>
+                            </a:rPr>
+                            <m:t>+</m:t>
+                          </m:r>
+                          <m:f>
+                            <m:fPr>
+                              <m:ctrlPr>
+                                <a:rPr lang="de-DE" i="1" smtClean="0">
+                                  <a:latin typeface="Cambria Math" panose="02040503050406030204" pitchFamily="18" charset="0"/>
+                                </a:rPr>
+                              </m:ctrlPr>
+                            </m:fPr>
+                            <m:num>
+                              <m:r>
+                                <a:rPr lang="de-DE" i="1" smtClean="0">
+                                  <a:latin typeface="Cambria Math" panose="02040503050406030204" pitchFamily="18" charset="0"/>
+                                </a:rPr>
+                                <m:t>h</m:t>
+                              </m:r>
+                            </m:num>
+                            <m:den>
+                              <m:r>
+                                <a:rPr lang="de-DE" i="1" smtClean="0">
+                                  <a:latin typeface="Cambria Math" panose="02040503050406030204" pitchFamily="18" charset="0"/>
+                                </a:rPr>
+                                <m:t>2</m:t>
+                              </m:r>
+                            </m:den>
+                          </m:f>
+                          <m:r>
+                            <a:rPr lang="de-DE" i="1" smtClean="0">
+                              <a:latin typeface="Cambria Math" panose="02040503050406030204" pitchFamily="18" charset="0"/>
+                            </a:rPr>
+                            <m:t>,</m:t>
+                          </m:r>
+                          <m:sSub>
+                            <m:sSubPr>
+                              <m:ctrlPr>
+                                <a:rPr lang="de-DE" i="1" smtClean="0">
+                                  <a:latin typeface="Cambria Math" panose="02040503050406030204" pitchFamily="18" charset="0"/>
+                                </a:rPr>
+                              </m:ctrlPr>
+                            </m:sSubPr>
+                            <m:e>
+                              <m:r>
+                                <a:rPr lang="de-DE" i="1" smtClean="0">
+                                  <a:latin typeface="Cambria Math" panose="02040503050406030204" pitchFamily="18" charset="0"/>
+                                </a:rPr>
+                                <m:t>𝑥</m:t>
+                              </m:r>
+                            </m:e>
+                            <m:sub>
+                              <m:r>
+                                <a:rPr lang="de-DE" i="1" smtClean="0">
+                                  <a:latin typeface="Cambria Math" panose="02040503050406030204" pitchFamily="18" charset="0"/>
+                                </a:rPr>
+                                <m:t>𝑛</m:t>
+                              </m:r>
+                            </m:sub>
+                          </m:sSub>
+                          <m:r>
+                            <a:rPr lang="de-DE" i="1" smtClean="0">
+                              <a:latin typeface="Cambria Math" panose="02040503050406030204" pitchFamily="18" charset="0"/>
+                            </a:rPr>
+                            <m:t>+</m:t>
+                          </m:r>
+                          <m:f>
+                            <m:fPr>
+                              <m:ctrlPr>
+                                <a:rPr lang="de-DE" i="1" smtClean="0">
+                                  <a:latin typeface="Cambria Math" panose="02040503050406030204" pitchFamily="18" charset="0"/>
+                                </a:rPr>
+                              </m:ctrlPr>
+                            </m:fPr>
+                            <m:num>
+                              <m:r>
+                                <a:rPr lang="de-DE" i="1" smtClean="0">
+                                  <a:latin typeface="Cambria Math" panose="02040503050406030204" pitchFamily="18" charset="0"/>
+                                </a:rPr>
+                                <m:t>h</m:t>
+                              </m:r>
+                            </m:num>
+                            <m:den>
+                              <m:r>
+                                <a:rPr lang="de-DE" i="1" smtClean="0">
+                                  <a:latin typeface="Cambria Math" panose="02040503050406030204" pitchFamily="18" charset="0"/>
+                                </a:rPr>
+                                <m:t>2</m:t>
+                              </m:r>
+                            </m:den>
+                          </m:f>
+                          <m:sSub>
+                            <m:sSubPr>
+                              <m:ctrlPr>
+                                <a:rPr lang="de-DE" i="1" smtClean="0">
+                                  <a:latin typeface="Cambria Math" panose="02040503050406030204" pitchFamily="18" charset="0"/>
+                                </a:rPr>
+                              </m:ctrlPr>
+                            </m:sSubPr>
+                            <m:e>
+                              <m:r>
+                                <a:rPr lang="de-DE" i="1" smtClean="0">
+                                  <a:latin typeface="Cambria Math" panose="02040503050406030204" pitchFamily="18" charset="0"/>
+                                </a:rPr>
+                                <m:t>𝑘</m:t>
+                              </m:r>
+                            </m:e>
+                            <m:sub>
+                              <m:r>
+                                <a:rPr lang="de-DE" i="1" smtClean="0">
+                                  <a:latin typeface="Cambria Math" panose="02040503050406030204" pitchFamily="18" charset="0"/>
+                                </a:rPr>
+                                <m:t>2</m:t>
+                              </m:r>
+                            </m:sub>
+                          </m:sSub>
+                        </m:e>
+                      </m:d>
+                    </m:oMath>
+                  </m:oMathPara>
+                </a14:m>
+                <a:endParaRPr lang="de-DE" dirty="0"/>
+              </a:p>
+            </p:txBody>
+          </p:sp>
+        </mc:Choice>
+        <mc:Fallback xmlns="">
+          <p:sp>
+            <p:nvSpPr>
+              <p:cNvPr id="6" name="Textfeld 5">
+                <a:extLst>
+                  <a:ext uri="{FF2B5EF4-FFF2-40B4-BE49-F238E27FC236}">
+                    <a16:creationId xmlns:a16="http://schemas.microsoft.com/office/drawing/2014/main" id="{86FBAFFD-D847-4B99-AFAC-D73F64338C6D}"/>
+                  </a:ext>
+                </a:extLst>
+              </p:cNvPr>
+              <p:cNvSpPr txBox="1">
+                <a:spLocks noRot="1" noChangeAspect="1" noMove="1" noResize="1" noEditPoints="1" noAdjustHandles="1" noChangeArrowheads="1" noChangeShapeType="1" noTextEdit="1"/>
+              </p:cNvSpPr>
+              <p:nvPr/>
+            </p:nvSpPr>
+            <p:spPr>
+              <a:xfrm flipH="1">
+                <a:off x="1508636" y="2771171"/>
+                <a:ext cx="2904121" cy="622350"/>
+              </a:xfrm>
+              <a:prstGeom prst="rect">
+                <a:avLst/>
+              </a:prstGeom>
+              <a:blipFill>
+                <a:blip r:embed="rId4"/>
+                <a:stretch>
+                  <a:fillRect/>
+                </a:stretch>
+              </a:blipFill>
+            </p:spPr>
+            <p:txBody>
+              <a:bodyPr/>
+              <a:lstStyle/>
+              <a:p>
+                <a:r>
+                  <a:rPr lang="de-DE">
+                    <a:noFill/>
+                  </a:rPr>
+                  <a:t> </a:t>
+                </a:r>
+              </a:p>
+            </p:txBody>
+          </p:sp>
+        </mc:Fallback>
+      </mc:AlternateContent>
+      <mc:AlternateContent xmlns:mc="http://schemas.openxmlformats.org/markup-compatibility/2006" xmlns:a14="http://schemas.microsoft.com/office/drawing/2010/main">
+        <mc:Choice Requires="a14">
+          <p:sp>
+            <p:nvSpPr>
+              <p:cNvPr id="7" name="Textfeld 6">
+                <a:extLst>
+                  <a:ext uri="{FF2B5EF4-FFF2-40B4-BE49-F238E27FC236}">
+                    <a16:creationId xmlns:a16="http://schemas.microsoft.com/office/drawing/2014/main" id="{302B5BF9-26FD-434A-B6DA-90A0CDD8F00C}"/>
+                  </a:ext>
+                </a:extLst>
+              </p:cNvPr>
+              <p:cNvSpPr txBox="1"/>
+              <p:nvPr/>
+            </p:nvSpPr>
+            <p:spPr>
+              <a:xfrm flipH="1">
+                <a:off x="1108138" y="3537233"/>
+                <a:ext cx="3546288" cy="276999"/>
+              </a:xfrm>
+              <a:prstGeom prst="rect">
+                <a:avLst/>
+              </a:prstGeom>
+              <a:noFill/>
+            </p:spPr>
+            <p:txBody>
+              <a:bodyPr wrap="square" lIns="0" tIns="0" rIns="0" bIns="0" rtlCol="0">
+                <a:spAutoFit/>
+              </a:bodyPr>
+              <a:lstStyle/>
+              <a:p>
+                <a:pPr/>
+                <a14:m>
+                  <m:oMathPara xmlns:m="http://schemas.openxmlformats.org/officeDocument/2006/math">
+                    <m:oMathParaPr>
+                      <m:jc m:val="centerGroup"/>
+                    </m:oMathParaPr>
+                    <m:oMath xmlns:m="http://schemas.openxmlformats.org/officeDocument/2006/math">
+                      <m:sSub>
+                        <m:sSubPr>
+                          <m:ctrlPr>
+                            <a:rPr lang="de-DE" i="1" smtClean="0">
+                              <a:latin typeface="Cambria Math" panose="02040503050406030204" pitchFamily="18" charset="0"/>
+                            </a:rPr>
+                          </m:ctrlPr>
+                        </m:sSubPr>
+                        <m:e>
+                          <m:r>
+                            <a:rPr lang="de-DE" i="1" smtClean="0">
+                              <a:latin typeface="Cambria Math" panose="02040503050406030204" pitchFamily="18" charset="0"/>
+                            </a:rPr>
+                            <m:t>𝑘</m:t>
+                          </m:r>
+                        </m:e>
+                        <m:sub>
+                          <m:r>
+                            <a:rPr lang="de-DE" i="1" smtClean="0">
+                              <a:latin typeface="Cambria Math" panose="02040503050406030204" pitchFamily="18" charset="0"/>
+                            </a:rPr>
+                            <m:t>4</m:t>
+                          </m:r>
+                        </m:sub>
+                      </m:sSub>
+                      <m:r>
+                        <a:rPr lang="de-DE" i="1" smtClean="0">
+                          <a:latin typeface="Cambria Math" panose="02040503050406030204" pitchFamily="18" charset="0"/>
+                        </a:rPr>
+                        <m:t>=</m:t>
+                      </m:r>
+                      <m:r>
+                        <a:rPr lang="de-DE" i="1" smtClean="0">
+                          <a:latin typeface="Cambria Math" panose="02040503050406030204" pitchFamily="18" charset="0"/>
+                        </a:rPr>
+                        <m:t>𝑓</m:t>
+                      </m:r>
+                      <m:d>
+                        <m:dPr>
+                          <m:ctrlPr>
+                            <a:rPr lang="de-DE" i="1" smtClean="0">
+                              <a:latin typeface="Cambria Math" panose="02040503050406030204" pitchFamily="18" charset="0"/>
+                            </a:rPr>
+                          </m:ctrlPr>
+                        </m:dPr>
+                        <m:e>
+                          <m:sSub>
+                            <m:sSubPr>
+                              <m:ctrlPr>
+                                <a:rPr lang="de-DE" i="1" smtClean="0">
+                                  <a:latin typeface="Cambria Math" panose="02040503050406030204" pitchFamily="18" charset="0"/>
+                                </a:rPr>
+                              </m:ctrlPr>
+                            </m:sSubPr>
+                            <m:e>
+                              <m:r>
+                                <a:rPr lang="de-DE" i="1" smtClean="0">
+                                  <a:latin typeface="Cambria Math" panose="02040503050406030204" pitchFamily="18" charset="0"/>
+                                </a:rPr>
+                                <m:t>𝑡</m:t>
+                              </m:r>
+                            </m:e>
+                            <m:sub>
+                              <m:r>
+                                <a:rPr lang="de-DE" i="1" smtClean="0">
+                                  <a:latin typeface="Cambria Math" panose="02040503050406030204" pitchFamily="18" charset="0"/>
+                                </a:rPr>
+                                <m:t>𝑛</m:t>
+                              </m:r>
+                            </m:sub>
+                          </m:sSub>
+                          <m:r>
+                            <a:rPr lang="de-DE" i="1" smtClean="0">
+                              <a:latin typeface="Cambria Math" panose="02040503050406030204" pitchFamily="18" charset="0"/>
+                            </a:rPr>
+                            <m:t>+</m:t>
+                          </m:r>
+                          <m:r>
+                            <a:rPr lang="de-DE" i="1" smtClean="0">
+                              <a:latin typeface="Cambria Math" panose="02040503050406030204" pitchFamily="18" charset="0"/>
+                            </a:rPr>
+                            <m:t>h</m:t>
+                          </m:r>
+                          <m:r>
+                            <a:rPr lang="de-DE" i="1" smtClean="0">
+                              <a:latin typeface="Cambria Math" panose="02040503050406030204" pitchFamily="18" charset="0"/>
+                            </a:rPr>
+                            <m:t>,</m:t>
+                          </m:r>
+                          <m:sSub>
+                            <m:sSubPr>
+                              <m:ctrlPr>
+                                <a:rPr lang="de-DE" i="1" smtClean="0">
+                                  <a:latin typeface="Cambria Math" panose="02040503050406030204" pitchFamily="18" charset="0"/>
+                                </a:rPr>
+                              </m:ctrlPr>
+                            </m:sSubPr>
+                            <m:e>
+                              <m:r>
+                                <a:rPr lang="de-DE" i="1" smtClean="0">
+                                  <a:latin typeface="Cambria Math" panose="02040503050406030204" pitchFamily="18" charset="0"/>
+                                </a:rPr>
+                                <m:t>𝑥</m:t>
+                              </m:r>
+                            </m:e>
+                            <m:sub>
+                              <m:r>
+                                <a:rPr lang="de-DE" i="1" smtClean="0">
+                                  <a:latin typeface="Cambria Math" panose="02040503050406030204" pitchFamily="18" charset="0"/>
+                                </a:rPr>
+                                <m:t>𝑛</m:t>
+                              </m:r>
+                            </m:sub>
+                          </m:sSub>
+                          <m:r>
+                            <a:rPr lang="de-DE" i="1" smtClean="0">
+                              <a:latin typeface="Cambria Math" panose="02040503050406030204" pitchFamily="18" charset="0"/>
+                            </a:rPr>
+                            <m:t>+</m:t>
+                          </m:r>
+                          <m:r>
+                            <a:rPr lang="de-DE" i="1" smtClean="0">
+                              <a:latin typeface="Cambria Math" panose="02040503050406030204" pitchFamily="18" charset="0"/>
+                            </a:rPr>
+                            <m:t>h</m:t>
+                          </m:r>
+                          <m:sSub>
+                            <m:sSubPr>
+                              <m:ctrlPr>
+                                <a:rPr lang="de-DE" i="1" smtClean="0">
+                                  <a:latin typeface="Cambria Math" panose="02040503050406030204" pitchFamily="18" charset="0"/>
+                                </a:rPr>
+                              </m:ctrlPr>
+                            </m:sSubPr>
+                            <m:e>
+                              <m:r>
+                                <a:rPr lang="de-DE" i="1" smtClean="0">
+                                  <a:latin typeface="Cambria Math" panose="02040503050406030204" pitchFamily="18" charset="0"/>
+                                </a:rPr>
+                                <m:t>𝑘</m:t>
+                              </m:r>
+                            </m:e>
+                            <m:sub>
+                              <m:r>
+                                <a:rPr lang="de-DE" i="1" smtClean="0">
+                                  <a:latin typeface="Cambria Math" panose="02040503050406030204" pitchFamily="18" charset="0"/>
+                                </a:rPr>
+                                <m:t>3</m:t>
+                              </m:r>
+                            </m:sub>
+                          </m:sSub>
+                        </m:e>
+                      </m:d>
+                    </m:oMath>
+                  </m:oMathPara>
+                </a14:m>
+                <a:endParaRPr lang="de-DE" dirty="0"/>
+              </a:p>
+            </p:txBody>
+          </p:sp>
+        </mc:Choice>
+        <mc:Fallback xmlns="">
+          <p:sp>
+            <p:nvSpPr>
+              <p:cNvPr id="7" name="Textfeld 6">
+                <a:extLst>
+                  <a:ext uri="{FF2B5EF4-FFF2-40B4-BE49-F238E27FC236}">
+                    <a16:creationId xmlns:a16="http://schemas.microsoft.com/office/drawing/2014/main" id="{302B5BF9-26FD-434A-B6DA-90A0CDD8F00C}"/>
+                  </a:ext>
+                </a:extLst>
+              </p:cNvPr>
+              <p:cNvSpPr txBox="1">
+                <a:spLocks noRot="1" noChangeAspect="1" noMove="1" noResize="1" noEditPoints="1" noAdjustHandles="1" noChangeArrowheads="1" noChangeShapeType="1" noTextEdit="1"/>
+              </p:cNvSpPr>
+              <p:nvPr/>
+            </p:nvSpPr>
+            <p:spPr>
+              <a:xfrm flipH="1">
+                <a:off x="1108138" y="3537233"/>
+                <a:ext cx="3546288" cy="276999"/>
+              </a:xfrm>
+              <a:prstGeom prst="rect">
+                <a:avLst/>
+              </a:prstGeom>
+              <a:blipFill>
+                <a:blip r:embed="rId5"/>
+                <a:stretch>
+                  <a:fillRect t="-2174" b="-32609"/>
+                </a:stretch>
+              </a:blipFill>
+            </p:spPr>
+            <p:txBody>
+              <a:bodyPr/>
+              <a:lstStyle/>
+              <a:p>
+                <a:r>
+                  <a:rPr lang="de-DE">
+                    <a:noFill/>
+                  </a:rPr>
+                  <a:t> </a:t>
+                </a:r>
+              </a:p>
+            </p:txBody>
+          </p:sp>
+        </mc:Fallback>
+      </mc:AlternateContent>
     </p:spTree>
     <p:extLst>
       <p:ext uri="{BB962C8B-B14F-4D97-AF65-F5344CB8AC3E}">
